--- a/MIS 과제2.pptx
+++ b/MIS 과제2.pptx
@@ -28,44 +28,44 @@
   <p:notesSz cx="6858000" cy="9144000"/>
   <p:embeddedFontLst>
     <p:embeddedFont>
-      <p:font typeface="서울남산체 B" panose="02020603020101020101" pitchFamily="18" charset="-127"/>
+      <p:font typeface="Perpetua Titling MT" panose="02020502060505020804" pitchFamily="18" charset="0"/>
       <p:regular r:id="rId20"/>
+      <p:bold r:id="rId21"/>
     </p:embeddedFont>
     <p:embeddedFont>
-      <p:font typeface="나눔명조" panose="02020603020101020101" pitchFamily="18" charset="-127"/>
-      <p:regular r:id="rId21"/>
-      <p:bold r:id="rId22"/>
+      <p:font typeface="서울남산체 B" panose="02020603020101020101" pitchFamily="18" charset="-127"/>
+      <p:regular r:id="rId22"/>
     </p:embeddedFont>
     <p:embeddedFont>
-      <p:font typeface="Perpetua Titling MT" panose="02020502060505020804" pitchFamily="18" charset="0"/>
+      <p:font typeface="맑은 고딕" panose="020B0503020000020004" pitchFamily="50" charset="-127"/>
       <p:regular r:id="rId23"/>
       <p:bold r:id="rId24"/>
     </p:embeddedFont>
     <p:embeddedFont>
-      <p:font typeface="나눔고딕" panose="020D0604000000000000" pitchFamily="50" charset="-127"/>
+      <p:font typeface="Segoe UI" panose="020B0502040204020203" pitchFamily="34" charset="0"/>
       <p:regular r:id="rId25"/>
       <p:bold r:id="rId26"/>
+      <p:italic r:id="rId27"/>
+      <p:boldItalic r:id="rId28"/>
     </p:embeddedFont>
     <p:embeddedFont>
-      <p:font typeface="맑은 고딕" panose="020B0503020000020004" pitchFamily="50" charset="-127"/>
-      <p:regular r:id="rId27"/>
-      <p:bold r:id="rId28"/>
-    </p:embeddedFont>
-    <p:embeddedFont>
-      <p:font typeface="Segoe UI" panose="020B0502040204020203" pitchFamily="34" charset="0"/>
+      <p:font typeface="DX시인과나" panose="02020600000000000000" pitchFamily="18" charset="-127"/>
       <p:regular r:id="rId29"/>
-      <p:bold r:id="rId30"/>
-      <p:italic r:id="rId31"/>
-      <p:boldItalic r:id="rId32"/>
     </p:embeddedFont>
     <p:embeddedFont>
       <p:font typeface="나눔바른고딕" panose="020B0603020101020101" pitchFamily="50" charset="-127"/>
-      <p:regular r:id="rId33"/>
-      <p:bold r:id="rId34"/>
+      <p:regular r:id="rId30"/>
+      <p:bold r:id="rId31"/>
     </p:embeddedFont>
     <p:embeddedFont>
-      <p:font typeface="DX시인과나" panose="02020600000000000000" pitchFamily="18" charset="-127"/>
-      <p:regular r:id="rId35"/>
+      <p:font typeface="나눔명조" panose="02020603020101020101" pitchFamily="18" charset="-127"/>
+      <p:regular r:id="rId32"/>
+      <p:bold r:id="rId33"/>
+    </p:embeddedFont>
+    <p:embeddedFont>
+      <p:font typeface="나눔고딕" panose="020D0604000000000000" pitchFamily="50" charset="-127"/>
+      <p:regular r:id="rId34"/>
+      <p:bold r:id="rId35"/>
     </p:embeddedFont>
   </p:embeddedFontLst>
   <p:defaultTextStyle>
@@ -13833,17 +13833,7 @@
                 <a:latin typeface="나눔명조" panose="02020603020101020101" pitchFamily="18" charset="-127"/>
                 <a:ea typeface="나눔명조" panose="02020603020101020101" pitchFamily="18" charset="-127"/>
               </a:rPr>
-              <a:t>	</a:t>
-            </a:r>
-            <a:r>
-              <a:rPr lang="en-US" altLang="ko-KR" sz="2000" spc="70" dirty="0" smtClean="0">
-                <a:solidFill>
-                  <a:schemeClr val="bg1"/>
-                </a:solidFill>
-                <a:latin typeface="나눔명조" panose="02020603020101020101" pitchFamily="18" charset="-127"/>
-                <a:ea typeface="나눔명조" panose="02020603020101020101" pitchFamily="18" charset="-127"/>
-              </a:rPr>
-              <a:t>‘</a:t>
+              <a:t>	‘</a:t>
             </a:r>
             <a:r>
               <a:rPr lang="ko-KR" altLang="en-US" sz="2000" spc="70" dirty="0" smtClean="0">
@@ -13883,37 +13873,7 @@
                 <a:latin typeface="나눔명조" panose="02020603020101020101" pitchFamily="18" charset="-127"/>
                 <a:ea typeface="나눔명조" panose="02020603020101020101" pitchFamily="18" charset="-127"/>
               </a:rPr>
-              <a:t>과 </a:t>
-            </a:r>
-            <a:r>
-              <a:rPr lang="ko-KR" altLang="en-US" sz="2000" spc="70" dirty="0" smtClean="0">
-                <a:solidFill>
-                  <a:schemeClr val="bg1"/>
-                </a:solidFill>
-                <a:latin typeface="나눔명조" panose="02020603020101020101" pitchFamily="18" charset="-127"/>
-                <a:ea typeface="나눔명조" panose="02020603020101020101" pitchFamily="18" charset="-127"/>
-              </a:rPr>
-              <a:t>같은 단어들은 이미 </a:t>
-            </a:r>
-            <a:r>
-              <a:rPr lang="ko-KR" altLang="en-US" sz="2000" spc="70" dirty="0" smtClean="0">
-                <a:solidFill>
-                  <a:schemeClr val="bg1"/>
-                </a:solidFill>
-                <a:latin typeface="나눔명조" panose="02020603020101020101" pitchFamily="18" charset="-127"/>
-                <a:ea typeface="나눔명조" panose="02020603020101020101" pitchFamily="18" charset="-127"/>
-              </a:rPr>
-              <a:t>오래 전부터 </a:t>
-            </a:r>
-            <a:r>
-              <a:rPr lang="ko-KR" altLang="en-US" sz="2000" spc="70" dirty="0" smtClean="0">
-                <a:solidFill>
-                  <a:schemeClr val="bg1"/>
-                </a:solidFill>
-                <a:latin typeface="나눔명조" panose="02020603020101020101" pitchFamily="18" charset="-127"/>
-                <a:ea typeface="나눔명조" panose="02020603020101020101" pitchFamily="18" charset="-127"/>
-              </a:rPr>
-              <a:t>생겨났고</a:t>
+              <a:t>과 같은 단어들은 이미 오래 전부터 생겨났고</a:t>
             </a:r>
             <a:r>
               <a:rPr lang="en-US" altLang="ko-KR" sz="2000" spc="70" dirty="0" smtClean="0">
